--- a/2024-2025/threads/6_threads.pptx
+++ b/2024-2025/threads/6_threads.pptx
@@ -234,7 +234,7 @@
           <a:p>
             <a:fld id="{85EF5437-F444-4613-A039-4AD69D91C86A}" type="datetimeFigureOut">
               <a:rPr lang="ru-RU" smtClean="0"/>
-              <a:t>11.04.2025</a:t>
+              <a:t>17.04.2025</a:t>
             </a:fld>
             <a:endParaRPr lang="ru-RU"/>
           </a:p>
@@ -2816,7 +2816,7 @@
           <a:p>
             <a:fld id="{58BF7D01-7D49-4F37-AA30-F04C65571A4A}" type="datetimeFigureOut">
               <a:rPr lang="ru-RU" smtClean="0"/>
-              <a:t>11.04.2025</a:t>
+              <a:t>17.04.2025</a:t>
             </a:fld>
             <a:endParaRPr lang="ru-RU"/>
           </a:p>
@@ -2986,7 +2986,7 @@
           <a:p>
             <a:fld id="{58BF7D01-7D49-4F37-AA30-F04C65571A4A}" type="datetimeFigureOut">
               <a:rPr lang="ru-RU" smtClean="0"/>
-              <a:t>11.04.2025</a:t>
+              <a:t>17.04.2025</a:t>
             </a:fld>
             <a:endParaRPr lang="ru-RU"/>
           </a:p>
@@ -3166,7 +3166,7 @@
           <a:p>
             <a:fld id="{58BF7D01-7D49-4F37-AA30-F04C65571A4A}" type="datetimeFigureOut">
               <a:rPr lang="ru-RU" smtClean="0"/>
-              <a:t>11.04.2025</a:t>
+              <a:t>17.04.2025</a:t>
             </a:fld>
             <a:endParaRPr lang="ru-RU"/>
           </a:p>
@@ -3336,7 +3336,7 @@
           <a:p>
             <a:fld id="{58BF7D01-7D49-4F37-AA30-F04C65571A4A}" type="datetimeFigureOut">
               <a:rPr lang="ru-RU" smtClean="0"/>
-              <a:t>11.04.2025</a:t>
+              <a:t>17.04.2025</a:t>
             </a:fld>
             <a:endParaRPr lang="ru-RU"/>
           </a:p>
@@ -3582,7 +3582,7 @@
           <a:p>
             <a:fld id="{58BF7D01-7D49-4F37-AA30-F04C65571A4A}" type="datetimeFigureOut">
               <a:rPr lang="ru-RU" smtClean="0"/>
-              <a:t>11.04.2025</a:t>
+              <a:t>17.04.2025</a:t>
             </a:fld>
             <a:endParaRPr lang="ru-RU"/>
           </a:p>
@@ -3814,7 +3814,7 @@
           <a:p>
             <a:fld id="{58BF7D01-7D49-4F37-AA30-F04C65571A4A}" type="datetimeFigureOut">
               <a:rPr lang="ru-RU" smtClean="0"/>
-              <a:t>11.04.2025</a:t>
+              <a:t>17.04.2025</a:t>
             </a:fld>
             <a:endParaRPr lang="ru-RU"/>
           </a:p>
@@ -4181,7 +4181,7 @@
           <a:p>
             <a:fld id="{58BF7D01-7D49-4F37-AA30-F04C65571A4A}" type="datetimeFigureOut">
               <a:rPr lang="ru-RU" smtClean="0"/>
-              <a:t>11.04.2025</a:t>
+              <a:t>17.04.2025</a:t>
             </a:fld>
             <a:endParaRPr lang="ru-RU"/>
           </a:p>
@@ -4299,7 +4299,7 @@
           <a:p>
             <a:fld id="{58BF7D01-7D49-4F37-AA30-F04C65571A4A}" type="datetimeFigureOut">
               <a:rPr lang="ru-RU" smtClean="0"/>
-              <a:t>11.04.2025</a:t>
+              <a:t>17.04.2025</a:t>
             </a:fld>
             <a:endParaRPr lang="ru-RU"/>
           </a:p>
@@ -4394,7 +4394,7 @@
           <a:p>
             <a:fld id="{58BF7D01-7D49-4F37-AA30-F04C65571A4A}" type="datetimeFigureOut">
               <a:rPr lang="ru-RU" smtClean="0"/>
-              <a:t>11.04.2025</a:t>
+              <a:t>17.04.2025</a:t>
             </a:fld>
             <a:endParaRPr lang="ru-RU"/>
           </a:p>
@@ -4671,7 +4671,7 @@
           <a:p>
             <a:fld id="{58BF7D01-7D49-4F37-AA30-F04C65571A4A}" type="datetimeFigureOut">
               <a:rPr lang="ru-RU" smtClean="0"/>
-              <a:t>11.04.2025</a:t>
+              <a:t>17.04.2025</a:t>
             </a:fld>
             <a:endParaRPr lang="ru-RU"/>
           </a:p>
@@ -4928,7 +4928,7 @@
           <a:p>
             <a:fld id="{58BF7D01-7D49-4F37-AA30-F04C65571A4A}" type="datetimeFigureOut">
               <a:rPr lang="ru-RU" smtClean="0"/>
-              <a:t>11.04.2025</a:t>
+              <a:t>17.04.2025</a:t>
             </a:fld>
             <a:endParaRPr lang="ru-RU"/>
           </a:p>
@@ -5141,7 +5141,7 @@
           <a:p>
             <a:fld id="{58BF7D01-7D49-4F37-AA30-F04C65571A4A}" type="datetimeFigureOut">
               <a:rPr lang="ru-RU" smtClean="0"/>
-              <a:t>11.04.2025</a:t>
+              <a:t>17.04.2025</a:t>
             </a:fld>
             <a:endParaRPr lang="ru-RU"/>
           </a:p>
@@ -10622,6 +10622,41 @@
           </a:p>
         </p:txBody>
       </p:sp>
+      <p:sp>
+        <p:nvSpPr>
+          <p:cNvPr id="7" name="TextBox 6">
+            <a:extLst>
+              <a:ext uri="{FF2B5EF4-FFF2-40B4-BE49-F238E27FC236}">
+                <a16:creationId xmlns:a16="http://schemas.microsoft.com/office/drawing/2014/main" id="{6E877607-3041-492C-87B0-029A7BB2637E}"/>
+              </a:ext>
+            </a:extLst>
+          </p:cNvPr>
+          <p:cNvSpPr txBox="1"/>
+          <p:nvPr/>
+        </p:nvSpPr>
+        <p:spPr>
+          <a:xfrm>
+            <a:off x="3048733" y="3105835"/>
+            <a:ext cx="6097464" cy="646331"/>
+          </a:xfrm>
+          <a:prstGeom prst="rect">
+            <a:avLst/>
+          </a:prstGeom>
+          <a:noFill/>
+        </p:spPr>
+        <p:txBody>
+          <a:bodyPr wrap="square">
+            <a:spAutoFit/>
+          </a:bodyPr>
+          <a:lstStyle/>
+          <a:p>
+            <a:r>
+              <a:rPr lang="ru-RU" dirty="0"/>
+              <a:t>https://github.com/kruffka/C-Programming/blob/master/2024-2025/threads/src/fifo.c</a:t>
+            </a:r>
+          </a:p>
+        </p:txBody>
+      </p:sp>
     </p:spTree>
     <p:extLst>
       <p:ext uri="{BB962C8B-B14F-4D97-AF65-F5344CB8AC3E}">
@@ -10762,6 +10797,41 @@
           </a:p>
         </p:txBody>
       </p:sp>
+      <p:sp>
+        <p:nvSpPr>
+          <p:cNvPr id="7" name="TextBox 6">
+            <a:extLst>
+              <a:ext uri="{FF2B5EF4-FFF2-40B4-BE49-F238E27FC236}">
+                <a16:creationId xmlns:a16="http://schemas.microsoft.com/office/drawing/2014/main" id="{B35F64B9-0174-4F5D-A28C-0D94BF4609CE}"/>
+              </a:ext>
+            </a:extLst>
+          </p:cNvPr>
+          <p:cNvSpPr txBox="1"/>
+          <p:nvPr/>
+        </p:nvSpPr>
+        <p:spPr>
+          <a:xfrm>
+            <a:off x="3048733" y="3079458"/>
+            <a:ext cx="6097464" cy="646331"/>
+          </a:xfrm>
+          <a:prstGeom prst="rect">
+            <a:avLst/>
+          </a:prstGeom>
+          <a:noFill/>
+        </p:spPr>
+        <p:txBody>
+          <a:bodyPr wrap="square">
+            <a:spAutoFit/>
+          </a:bodyPr>
+          <a:lstStyle/>
+          <a:p>
+            <a:r>
+              <a:rPr lang="ru-RU" dirty="0"/>
+              <a:t>https://github.com/kruffka/C-Programming/blob/master/2024-2025/threads/src/tpool.c</a:t>
+            </a:r>
+          </a:p>
+        </p:txBody>
+      </p:sp>
     </p:spTree>
     <p:extLst>
       <p:ext uri="{BB962C8B-B14F-4D97-AF65-F5344CB8AC3E}">
@@ -10898,6 +10968,211 @@
           </a:p>
         </p:txBody>
       </p:sp>
+      <p:sp>
+        <p:nvSpPr>
+          <p:cNvPr id="7" name="TextBox 6">
+            <a:extLst>
+              <a:ext uri="{FF2B5EF4-FFF2-40B4-BE49-F238E27FC236}">
+                <a16:creationId xmlns:a16="http://schemas.microsoft.com/office/drawing/2014/main" id="{94485CC8-17A7-4BBB-A47F-B3B71F5DE795}"/>
+              </a:ext>
+            </a:extLst>
+          </p:cNvPr>
+          <p:cNvSpPr txBox="1"/>
+          <p:nvPr/>
+        </p:nvSpPr>
+        <p:spPr>
+          <a:xfrm>
+            <a:off x="881429" y="2785557"/>
+            <a:ext cx="6097464" cy="646331"/>
+          </a:xfrm>
+          <a:prstGeom prst="rect">
+            <a:avLst/>
+          </a:prstGeom>
+          <a:noFill/>
+        </p:spPr>
+        <p:txBody>
+          <a:bodyPr wrap="square">
+            <a:spAutoFit/>
+          </a:bodyPr>
+          <a:lstStyle/>
+          <a:p>
+            <a:r>
+              <a:rPr lang="en-US" dirty="0"/>
+              <a:t>Info threads </a:t>
+            </a:r>
+            <a:r>
+              <a:rPr lang="ru-RU" dirty="0"/>
+              <a:t>-</a:t>
+            </a:r>
+            <a:r>
+              <a:rPr lang="en-US" dirty="0"/>
+              <a:t> </a:t>
+            </a:r>
+            <a:r>
+              <a:rPr lang="ru-RU" dirty="0"/>
+              <a:t>Вывести информацию обо всех потоках</a:t>
+            </a:r>
+          </a:p>
+          <a:p>
+            <a:r>
+              <a:rPr lang="en-US" dirty="0"/>
+              <a:t>thread &lt;thread&gt; </a:t>
+            </a:r>
+            <a:r>
+              <a:rPr lang="ru-RU" dirty="0"/>
+              <a:t>- переключиться на поток</a:t>
+            </a:r>
+          </a:p>
+        </p:txBody>
+      </p:sp>
+      <p:pic>
+        <p:nvPicPr>
+          <p:cNvPr id="1030" name="Picture 6" descr="alt text">
+            <a:extLst>
+              <a:ext uri="{FF2B5EF4-FFF2-40B4-BE49-F238E27FC236}">
+                <a16:creationId xmlns:a16="http://schemas.microsoft.com/office/drawing/2014/main" id="{B2CC3A4D-0CC0-4441-AFB8-6A1C94D4DDA5}"/>
+              </a:ext>
+            </a:extLst>
+          </p:cNvPr>
+          <p:cNvPicPr>
+            <a:picLocks noChangeAspect="1" noChangeArrowheads="1"/>
+          </p:cNvPicPr>
+          <p:nvPr/>
+        </p:nvPicPr>
+        <p:blipFill rotWithShape="1">
+          <a:blip r:embed="rId3">
+            <a:extLst>
+              <a:ext uri="{28A0092B-C50C-407E-A947-70E740481C1C}">
+                <a14:useLocalDpi xmlns:a14="http://schemas.microsoft.com/office/drawing/2010/main" val="0"/>
+              </a:ext>
+            </a:extLst>
+          </a:blip>
+          <a:srcRect r="52855"/>
+          <a:stretch/>
+        </p:blipFill>
+        <p:spPr bwMode="auto">
+          <a:xfrm>
+            <a:off x="967154" y="3559162"/>
+            <a:ext cx="5747971" cy="2566987"/>
+          </a:xfrm>
+          <a:prstGeom prst="rect">
+            <a:avLst/>
+          </a:prstGeom>
+          <a:noFill/>
+          <a:extLst>
+            <a:ext uri="{909E8E84-426E-40DD-AFC4-6F175D3DCCD1}">
+              <a14:hiddenFill xmlns:a14="http://schemas.microsoft.com/office/drawing/2010/main">
+                <a:solidFill>
+                  <a:srgbClr val="FFFFFF"/>
+                </a:solidFill>
+              </a14:hiddenFill>
+            </a:ext>
+          </a:extLst>
+        </p:spPr>
+      </p:pic>
+      <p:pic>
+        <p:nvPicPr>
+          <p:cNvPr id="1032" name="Picture 8" descr="alt text">
+            <a:extLst>
+              <a:ext uri="{FF2B5EF4-FFF2-40B4-BE49-F238E27FC236}">
+                <a16:creationId xmlns:a16="http://schemas.microsoft.com/office/drawing/2014/main" id="{D6C4797B-466E-4089-82A7-94B006F0E753}"/>
+              </a:ext>
+            </a:extLst>
+          </p:cNvPr>
+          <p:cNvPicPr>
+            <a:picLocks noChangeAspect="1" noChangeArrowheads="1"/>
+          </p:cNvPicPr>
+          <p:nvPr/>
+        </p:nvPicPr>
+        <p:blipFill rotWithShape="1">
+          <a:blip r:embed="rId4">
+            <a:extLst>
+              <a:ext uri="{28A0092B-C50C-407E-A947-70E740481C1C}">
+                <a14:useLocalDpi xmlns:a14="http://schemas.microsoft.com/office/drawing/2010/main" val="0"/>
+              </a:ext>
+            </a:extLst>
+          </a:blip>
+          <a:srcRect t="22989" r="55549"/>
+          <a:stretch/>
+        </p:blipFill>
+        <p:spPr bwMode="auto">
+          <a:xfrm>
+            <a:off x="7625096" y="1776317"/>
+            <a:ext cx="3433762" cy="4349832"/>
+          </a:xfrm>
+          <a:prstGeom prst="rect">
+            <a:avLst/>
+          </a:prstGeom>
+          <a:noFill/>
+          <a:extLst>
+            <a:ext uri="{909E8E84-426E-40DD-AFC4-6F175D3DCCD1}">
+              <a14:hiddenFill xmlns:a14="http://schemas.microsoft.com/office/drawing/2010/main">
+                <a:solidFill>
+                  <a:srgbClr val="FFFFFF"/>
+                </a:solidFill>
+              </a14:hiddenFill>
+            </a:ext>
+          </a:extLst>
+        </p:spPr>
+      </p:pic>
+      <p:sp>
+        <p:nvSpPr>
+          <p:cNvPr id="18" name="TextBox 17">
+            <a:extLst>
+              <a:ext uri="{FF2B5EF4-FFF2-40B4-BE49-F238E27FC236}">
+                <a16:creationId xmlns:a16="http://schemas.microsoft.com/office/drawing/2014/main" id="{7A180F60-A50F-4561-95D5-8C92887E7B85}"/>
+              </a:ext>
+            </a:extLst>
+          </p:cNvPr>
+          <p:cNvSpPr txBox="1"/>
+          <p:nvPr/>
+        </p:nvSpPr>
+        <p:spPr>
+          <a:xfrm>
+            <a:off x="882893" y="1359239"/>
+            <a:ext cx="6096000" cy="923330"/>
+          </a:xfrm>
+          <a:prstGeom prst="rect">
+            <a:avLst/>
+          </a:prstGeom>
+          <a:noFill/>
+        </p:spPr>
+        <p:txBody>
+          <a:bodyPr wrap="square">
+            <a:spAutoFit/>
+          </a:bodyPr>
+          <a:lstStyle/>
+          <a:p>
+            <a:r>
+              <a:rPr lang="ru-RU" dirty="0"/>
+              <a:t>Инструменты:</a:t>
+            </a:r>
+            <a:endParaRPr lang="en-US" dirty="0"/>
+          </a:p>
+          <a:p>
+            <a:pPr marL="285750" indent="-285750">
+              <a:buFont typeface="Arial" panose="020B0604020202020204" pitchFamily="34" charset="0"/>
+              <a:buChar char="•"/>
+            </a:pPr>
+            <a:r>
+              <a:rPr lang="en-US" dirty="0" err="1"/>
+              <a:t>gdb</a:t>
+            </a:r>
+            <a:endParaRPr lang="en-US" dirty="0"/>
+          </a:p>
+          <a:p>
+            <a:pPr marL="285750" indent="-285750">
+              <a:buFont typeface="Arial" panose="020B0604020202020204" pitchFamily="34" charset="0"/>
+              <a:buChar char="•"/>
+            </a:pPr>
+            <a:r>
+              <a:rPr lang="en-US" dirty="0" err="1"/>
+              <a:t>ThreadSanitizer</a:t>
+            </a:r>
+            <a:endParaRPr lang="ru-RU" dirty="0"/>
+          </a:p>
+        </p:txBody>
+      </p:sp>
     </p:spTree>
     <p:extLst>
       <p:ext uri="{BB962C8B-B14F-4D97-AF65-F5344CB8AC3E}">
@@ -11063,8 +11338,8 @@
         </p:blipFill>
         <p:spPr bwMode="auto">
           <a:xfrm>
-            <a:off x="9307552" y="333074"/>
-            <a:ext cx="2579648" cy="1934736"/>
+            <a:off x="8924925" y="0"/>
+            <a:ext cx="3267075" cy="2450306"/>
           </a:xfrm>
           <a:prstGeom prst="rect">
             <a:avLst/>
@@ -11081,6 +11356,203 @@
           </a:extLst>
         </p:spPr>
       </p:pic>
+      <p:sp>
+        <p:nvSpPr>
+          <p:cNvPr id="7" name="TextBox 6">
+            <a:extLst>
+              <a:ext uri="{FF2B5EF4-FFF2-40B4-BE49-F238E27FC236}">
+                <a16:creationId xmlns:a16="http://schemas.microsoft.com/office/drawing/2014/main" id="{7C9FCDFD-50ED-4F43-B283-D3624BBF5E24}"/>
+              </a:ext>
+            </a:extLst>
+          </p:cNvPr>
+          <p:cNvSpPr txBox="1"/>
+          <p:nvPr/>
+        </p:nvSpPr>
+        <p:spPr>
+          <a:xfrm>
+            <a:off x="533400" y="1134830"/>
+            <a:ext cx="10740920" cy="5355312"/>
+          </a:xfrm>
+          <a:prstGeom prst="rect">
+            <a:avLst/>
+          </a:prstGeom>
+          <a:noFill/>
+        </p:spPr>
+        <p:txBody>
+          <a:bodyPr wrap="square">
+            <a:spAutoFit/>
+          </a:bodyPr>
+          <a:lstStyle/>
+          <a:p>
+            <a:pPr marL="285750" indent="-285750">
+              <a:buFont typeface="Arial" panose="020B0604020202020204" pitchFamily="34" charset="0"/>
+              <a:buChar char="•"/>
+            </a:pPr>
+            <a:r>
+              <a:rPr lang="ru-RU" dirty="0"/>
+              <a:t>Атомарные операции</a:t>
+            </a:r>
+          </a:p>
+          <a:p>
+            <a:endParaRPr lang="ru-RU" dirty="0"/>
+          </a:p>
+          <a:p>
+            <a:pPr lvl="1"/>
+            <a:r>
+              <a:rPr lang="en-US" dirty="0"/>
+              <a:t>_Atomic uint32_t </a:t>
+            </a:r>
+            <a:r>
+              <a:rPr lang="en-US" dirty="0" err="1"/>
+              <a:t>atomic_counter</a:t>
+            </a:r>
+            <a:r>
+              <a:rPr lang="en-US" dirty="0"/>
+              <a:t> = 0; </a:t>
+            </a:r>
+            <a:endParaRPr lang="ru-RU" dirty="0"/>
+          </a:p>
+          <a:p>
+            <a:pPr lvl="1"/>
+            <a:r>
+              <a:rPr lang="en-US" dirty="0"/>
+              <a:t>//... </a:t>
+            </a:r>
+            <a:endParaRPr lang="ru-RU" dirty="0"/>
+          </a:p>
+          <a:p>
+            <a:pPr lvl="1"/>
+            <a:r>
+              <a:rPr lang="en-US" dirty="0" err="1"/>
+              <a:t>atomic_counter</a:t>
+            </a:r>
+            <a:r>
+              <a:rPr lang="en-US" dirty="0"/>
+              <a:t>++; // </a:t>
+            </a:r>
+            <a:r>
+              <a:rPr lang="ru-RU" dirty="0"/>
+              <a:t>все </a:t>
+            </a:r>
+            <a:r>
+              <a:rPr lang="ru-RU" dirty="0" err="1"/>
+              <a:t>ок</a:t>
+            </a:r>
+            <a:r>
+              <a:rPr lang="ru-RU" dirty="0"/>
+              <a:t>, атомарно будет </a:t>
+            </a:r>
+          </a:p>
+          <a:p>
+            <a:pPr lvl="1"/>
+            <a:r>
+              <a:rPr lang="en-US" dirty="0" err="1"/>
+              <a:t>atomic_counter</a:t>
+            </a:r>
+            <a:r>
+              <a:rPr lang="en-US" dirty="0"/>
+              <a:t> = </a:t>
+            </a:r>
+            <a:r>
+              <a:rPr lang="en-US" dirty="0" err="1"/>
+              <a:t>atomic_counter</a:t>
+            </a:r>
+            <a:r>
+              <a:rPr lang="en-US" dirty="0"/>
+              <a:t> + 1; // </a:t>
+            </a:r>
+            <a:r>
+              <a:rPr lang="ru-RU" dirty="0"/>
+              <a:t>будет гонка потоков, атомарность не сработает</a:t>
+            </a:r>
+          </a:p>
+          <a:p>
+            <a:endParaRPr lang="ru-RU" dirty="0"/>
+          </a:p>
+          <a:p>
+            <a:pPr marL="285750" indent="-285750">
+              <a:buFont typeface="Arial" panose="020B0604020202020204" pitchFamily="34" charset="0"/>
+              <a:buChar char="•"/>
+            </a:pPr>
+            <a:r>
+              <a:rPr lang="en-US" dirty="0"/>
+              <a:t>CPU Affinity</a:t>
+            </a:r>
+            <a:endParaRPr lang="ru-RU" dirty="0"/>
+          </a:p>
+          <a:p>
+            <a:br>
+              <a:rPr lang="en-US" dirty="0"/>
+            </a:br>
+            <a:r>
+              <a:rPr lang="ru-RU" dirty="0"/>
+              <a:t>	Идем в </a:t>
+            </a:r>
+            <a:r>
+              <a:rPr lang="en-US" dirty="0" err="1"/>
+              <a:t>htop</a:t>
+            </a:r>
+            <a:r>
+              <a:rPr lang="en-US" dirty="0"/>
+              <a:t>..</a:t>
+            </a:r>
+          </a:p>
+          <a:p>
+            <a:endParaRPr lang="en-US" dirty="0"/>
+          </a:p>
+          <a:p>
+            <a:pPr marL="285750" indent="-285750">
+              <a:buFont typeface="Arial" panose="020B0604020202020204" pitchFamily="34" charset="0"/>
+              <a:buChar char="•"/>
+            </a:pPr>
+            <a:r>
+              <a:rPr lang="ru-RU" dirty="0"/>
+              <a:t>SIMD - векторные инструкции (AVX, SSE и их друзья)</a:t>
+            </a:r>
+            <a:br>
+              <a:rPr lang="ru-RU" dirty="0"/>
+            </a:br>
+            <a:br>
+              <a:rPr lang="ru-RU" dirty="0"/>
+            </a:br>
+            <a:r>
+              <a:rPr lang="ru-RU" dirty="0"/>
+              <a:t>	Гуглим </a:t>
+            </a:r>
+            <a:r>
+              <a:rPr lang="en-US" dirty="0"/>
+              <a:t>SIMD mode vs Scalar mode</a:t>
+            </a:r>
+          </a:p>
+          <a:p>
+            <a:endParaRPr lang="en-US" dirty="0"/>
+          </a:p>
+          <a:p>
+            <a:pPr marL="285750" indent="-285750">
+              <a:buFont typeface="Arial" panose="020B0604020202020204" pitchFamily="34" charset="0"/>
+              <a:buChar char="•"/>
+            </a:pPr>
+            <a:r>
+              <a:rPr lang="en-US" dirty="0"/>
+              <a:t>lock-free </a:t>
+            </a:r>
+            <a:r>
+              <a:rPr lang="ru-RU" dirty="0"/>
+              <a:t>алгоритмы</a:t>
+            </a:r>
+            <a:br>
+              <a:rPr lang="en-US" dirty="0"/>
+            </a:br>
+            <a:br>
+              <a:rPr lang="en-US" dirty="0"/>
+            </a:br>
+            <a:r>
+              <a:rPr lang="ru-RU" dirty="0"/>
+              <a:t>	Алгоритмы работы с потоками, которые разделяют общую память, но не блокируют друг друга ради получения ресурса и имеют не попадают в состояние гонки</a:t>
+            </a:r>
+          </a:p>
+        </p:txBody>
+      </p:sp>
     </p:spTree>
     <p:extLst>
       <p:ext uri="{BB962C8B-B14F-4D97-AF65-F5344CB8AC3E}">
